--- a/P & G Presentation.pptx
+++ b/P & G Presentation.pptx
@@ -16459,7 +16459,7 @@
           <a:p>
             <a:r>
               <a:rPr lang="en-US" dirty="0"/>
-              <a:t>The end</a:t>
+              <a:t>Presentation over </a:t>
             </a:r>
           </a:p>
         </p:txBody>

--- a/P & G Presentation.pptx
+++ b/P & G Presentation.pptx
@@ -16459,7 +16459,7 @@
           <a:p>
             <a:r>
               <a:rPr lang="en-US" dirty="0"/>
-              <a:t>Presentation over </a:t>
+              <a:t>The end </a:t>
             </a:r>
           </a:p>
         </p:txBody>

--- a/P & G Presentation.pptx
+++ b/P & G Presentation.pptx
@@ -17407,7 +17407,7 @@
                   <a:schemeClr val="bg1"/>
                 </a:solidFill>
               </a:rPr>
-              <a:t>It has its operations in about 80 countries. Having its manufacturing units in most countries. It touches lives of around 180 countries. </a:t>
+              <a:t>It has its operations in about 80 countries. Having its manufacturing units in most countries. Its products are used in around 180 countries. </a:t>
             </a:r>
           </a:p>
         </p:txBody>
